--- a/CV_Project/Taylor's Code/MHI Estimation via Pixel Analysis.pptx
+++ b/CV_Project/Taylor's Code/MHI Estimation via Pixel Analysis.pptx
@@ -14,6 +14,7 @@
     <p:sldId id="262" r:id="rId8"/>
     <p:sldId id="263" r:id="rId9"/>
     <p:sldId id="264" r:id="rId10"/>
+    <p:sldId id="265" r:id="rId11"/>
   </p:sldIdLst>
   <p:sldSz cx="12192000" cy="6858000"/>
   <p:notesSz cx="6858000" cy="9144000"/>
@@ -271,7 +272,7 @@
           <a:p>
             <a:fld id="{1D5FFD6E-3E43-4ED4-9D8B-F2DEE4E59960}" type="datetimeFigureOut">
               <a:rPr lang="en-US" smtClean="0"/>
-              <a:t>11/26/2017</a:t>
+              <a:t>11/28/2017</a:t>
             </a:fld>
             <a:endParaRPr lang="en-US"/>
           </a:p>
@@ -469,7 +470,7 @@
           <a:p>
             <a:fld id="{1D5FFD6E-3E43-4ED4-9D8B-F2DEE4E59960}" type="datetimeFigureOut">
               <a:rPr lang="en-US" smtClean="0"/>
-              <a:t>11/26/2017</a:t>
+              <a:t>11/28/2017</a:t>
             </a:fld>
             <a:endParaRPr lang="en-US"/>
           </a:p>
@@ -677,7 +678,7 @@
           <a:p>
             <a:fld id="{1D5FFD6E-3E43-4ED4-9D8B-F2DEE4E59960}" type="datetimeFigureOut">
               <a:rPr lang="en-US" smtClean="0"/>
-              <a:t>11/26/2017</a:t>
+              <a:t>11/28/2017</a:t>
             </a:fld>
             <a:endParaRPr lang="en-US"/>
           </a:p>
@@ -875,7 +876,7 @@
           <a:p>
             <a:fld id="{1D5FFD6E-3E43-4ED4-9D8B-F2DEE4E59960}" type="datetimeFigureOut">
               <a:rPr lang="en-US" smtClean="0"/>
-              <a:t>11/26/2017</a:t>
+              <a:t>11/28/2017</a:t>
             </a:fld>
             <a:endParaRPr lang="en-US"/>
           </a:p>
@@ -1150,7 +1151,7 @@
           <a:p>
             <a:fld id="{1D5FFD6E-3E43-4ED4-9D8B-F2DEE4E59960}" type="datetimeFigureOut">
               <a:rPr lang="en-US" smtClean="0"/>
-              <a:t>11/26/2017</a:t>
+              <a:t>11/28/2017</a:t>
             </a:fld>
             <a:endParaRPr lang="en-US"/>
           </a:p>
@@ -1415,7 +1416,7 @@
           <a:p>
             <a:fld id="{1D5FFD6E-3E43-4ED4-9D8B-F2DEE4E59960}" type="datetimeFigureOut">
               <a:rPr lang="en-US" smtClean="0"/>
-              <a:t>11/26/2017</a:t>
+              <a:t>11/28/2017</a:t>
             </a:fld>
             <a:endParaRPr lang="en-US"/>
           </a:p>
@@ -1827,7 +1828,7 @@
           <a:p>
             <a:fld id="{1D5FFD6E-3E43-4ED4-9D8B-F2DEE4E59960}" type="datetimeFigureOut">
               <a:rPr lang="en-US" smtClean="0"/>
-              <a:t>11/26/2017</a:t>
+              <a:t>11/28/2017</a:t>
             </a:fld>
             <a:endParaRPr lang="en-US"/>
           </a:p>
@@ -1968,7 +1969,7 @@
           <a:p>
             <a:fld id="{1D5FFD6E-3E43-4ED4-9D8B-F2DEE4E59960}" type="datetimeFigureOut">
               <a:rPr lang="en-US" smtClean="0"/>
-              <a:t>11/26/2017</a:t>
+              <a:t>11/28/2017</a:t>
             </a:fld>
             <a:endParaRPr lang="en-US"/>
           </a:p>
@@ -2081,7 +2082,7 @@
           <a:p>
             <a:fld id="{1D5FFD6E-3E43-4ED4-9D8B-F2DEE4E59960}" type="datetimeFigureOut">
               <a:rPr lang="en-US" smtClean="0"/>
-              <a:t>11/26/2017</a:t>
+              <a:t>11/28/2017</a:t>
             </a:fld>
             <a:endParaRPr lang="en-US"/>
           </a:p>
@@ -2392,7 +2393,7 @@
           <a:p>
             <a:fld id="{1D5FFD6E-3E43-4ED4-9D8B-F2DEE4E59960}" type="datetimeFigureOut">
               <a:rPr lang="en-US" smtClean="0"/>
-              <a:t>11/26/2017</a:t>
+              <a:t>11/28/2017</a:t>
             </a:fld>
             <a:endParaRPr lang="en-US"/>
           </a:p>
@@ -2680,7 +2681,7 @@
           <a:p>
             <a:fld id="{1D5FFD6E-3E43-4ED4-9D8B-F2DEE4E59960}" type="datetimeFigureOut">
               <a:rPr lang="en-US" smtClean="0"/>
-              <a:t>11/26/2017</a:t>
+              <a:t>11/28/2017</a:t>
             </a:fld>
             <a:endParaRPr lang="en-US"/>
           </a:p>
@@ -2921,7 +2922,7 @@
           <a:p>
             <a:fld id="{1D5FFD6E-3E43-4ED4-9D8B-F2DEE4E59960}" type="datetimeFigureOut">
               <a:rPr lang="en-US" smtClean="0"/>
-              <a:t>11/26/2017</a:t>
+              <a:t>11/28/2017</a:t>
             </a:fld>
             <a:endParaRPr lang="en-US"/>
           </a:p>
@@ -3362,9 +3363,10 @@
           <a:lstStyle/>
           <a:p>
             <a:r>
-              <a:rPr lang="en-US" sz="5400" dirty="0"/>
-              <a:t>MHI Estimation via Pixel Analysis</a:t>
-            </a:r>
+              <a:rPr lang="en-US" dirty="0"/>
+              <a:t>Dancing from Motion History Images (MHIs)</a:t>
+            </a:r>
+            <a:endParaRPr lang="en-US" sz="5400" dirty="0"/>
           </a:p>
         </p:txBody>
       </p:sp>
@@ -3391,7 +3393,7 @@
           <a:p>
             <a:r>
               <a:rPr lang="en-US" dirty="0"/>
-              <a:t>Taylor Ripke</a:t>
+              <a:t>Robert Gross &amp; Taylor Ripke</a:t>
             </a:r>
           </a:p>
           <a:p>
@@ -3412,6 +3414,86 @@
     <p:extLst>
       <p:ext uri="{BB962C8B-B14F-4D97-AF65-F5344CB8AC3E}">
         <p14:creationId xmlns:p14="http://schemas.microsoft.com/office/powerpoint/2010/main" val="2188728190"/>
+      </p:ext>
+    </p:extLst>
+  </p:cSld>
+  <p:clrMapOvr>
+    <a:masterClrMapping/>
+  </p:clrMapOvr>
+</p:sld>
+</file>
+
+<file path=ppt/slides/slide10.xml><?xml version="1.0" encoding="utf-8"?>
+<p:sld xmlns:a="http://schemas.openxmlformats.org/drawingml/2006/main" xmlns:r="http://schemas.openxmlformats.org/officeDocument/2006/relationships" xmlns:p="http://schemas.openxmlformats.org/presentationml/2006/main">
+  <p:cSld>
+    <p:spTree>
+      <p:nvGrpSpPr>
+        <p:cNvPr id="1" name=""/>
+        <p:cNvGrpSpPr/>
+        <p:nvPr/>
+      </p:nvGrpSpPr>
+      <p:grpSpPr>
+        <a:xfrm>
+          <a:off x="0" y="0"/>
+          <a:ext cx="0" cy="0"/>
+          <a:chOff x="0" y="0"/>
+          <a:chExt cx="0" cy="0"/>
+        </a:xfrm>
+      </p:grpSpPr>
+      <p:sp>
+        <p:nvSpPr>
+          <p:cNvPr id="2" name="Title 1">
+            <a:extLst>
+              <a:ext uri="{FF2B5EF4-FFF2-40B4-BE49-F238E27FC236}">
+                <a16:creationId xmlns:a16="http://schemas.microsoft.com/office/drawing/2014/main" id="{1B7F5A03-5ED7-44CD-BB15-CD90629538D5}"/>
+              </a:ext>
+            </a:extLst>
+          </p:cNvPr>
+          <p:cNvSpPr>
+            <a:spLocks noGrp="1"/>
+          </p:cNvSpPr>
+          <p:nvPr>
+            <p:ph type="title"/>
+          </p:nvPr>
+        </p:nvSpPr>
+        <p:spPr/>
+        <p:txBody>
+          <a:bodyPr/>
+          <a:lstStyle/>
+          <a:p>
+            <a:endParaRPr lang="en-US" dirty="0"/>
+          </a:p>
+        </p:txBody>
+      </p:sp>
+      <p:sp>
+        <p:nvSpPr>
+          <p:cNvPr id="3" name="Content Placeholder 2">
+            <a:extLst>
+              <a:ext uri="{FF2B5EF4-FFF2-40B4-BE49-F238E27FC236}">
+                <a16:creationId xmlns:a16="http://schemas.microsoft.com/office/drawing/2014/main" id="{3E1FE6E8-56BA-445D-B28C-F3250933210B}"/>
+              </a:ext>
+            </a:extLst>
+          </p:cNvPr>
+          <p:cNvSpPr>
+            <a:spLocks noGrp="1"/>
+          </p:cNvSpPr>
+          <p:nvPr>
+            <p:ph idx="1"/>
+          </p:nvPr>
+        </p:nvSpPr>
+        <p:spPr/>
+        <p:txBody>
+          <a:bodyPr/>
+          <a:lstStyle/>
+          <a:p>
+            <a:endParaRPr lang="en-US"/>
+          </a:p>
+        </p:txBody>
+      </p:sp>
+    </p:spTree>
+    <p:extLst>
+      <p:ext uri="{BB962C8B-B14F-4D97-AF65-F5344CB8AC3E}">
+        <p14:creationId xmlns:p14="http://schemas.microsoft.com/office/powerpoint/2010/main" val="372424554"/>
       </p:ext>
     </p:extLst>
   </p:cSld>
@@ -3876,7 +3958,7 @@
           <a:p>
             <a:r>
               <a:rPr lang="en-US" dirty="0"/>
-              <a:t>Pre-run: In-depth View</a:t>
+              <a:t>Pre-run: Overview</a:t>
             </a:r>
           </a:p>
         </p:txBody>
@@ -3919,7 +4001,7 @@
             <a:pPr lvl="1"/>
             <a:r>
               <a:rPr lang="en-US" dirty="0"/>
-              <a:t>Frame &gt; Gray Frame &gt; Resize &gt; Add to Array &gt; Compute individual MHI’s</a:t>
+              <a:t>Frame &gt; Gray Frame &gt; Resize (if needed) &gt; Add to growing array &gt; Compute individual MHI’s</a:t>
             </a:r>
           </a:p>
           <a:p>
@@ -4014,7 +4096,7 @@
           <a:p>
             <a:r>
               <a:rPr lang="en-US" dirty="0"/>
-              <a:t>Overview</a:t>
+              <a:t>Individual Pixel Analysis</a:t>
             </a:r>
           </a:p>
         </p:txBody>
@@ -4828,7 +4910,7 @@
           <a:p>
             <a:r>
               <a:rPr lang="en-US" dirty="0"/>
-              <a:t>In most cases, it was hard to detect the movement. It was either too sensitive or missed it all together.</a:t>
+              <a:t>In most cases, it was hard to detect the movement. It was either too sensitive or missed it all together. </a:t>
             </a:r>
           </a:p>
         </p:txBody>
